--- a/netflixpresentation.pptx
+++ b/netflixpresentation.pptx
@@ -108,6 +108,11 @@
       </a:defRPr>
     </a:lvl9pPr>
   </p:defaultTextStyle>
+  <p:extLst>
+    <p:ext uri="{EFAFB233-063F-42B5-8137-9DF3F51BA10A}">
+      <p15:sldGuideLst xmlns:p15="http://schemas.microsoft.com/office/powerpoint/2012/main"/>
+    </p:ext>
+  </p:extLst>
 </p:presentation>
 </file>
 
@@ -3675,7 +3680,7 @@
           <a:p>
             <a:fld id="{7AA7C1B9-AFF9-4BAB-B6FE-E21DA7CB2908}" type="datetimeFigureOut">
               <a:rPr lang="en-US" smtClean="0"/>
-              <a:t>6/14/2021</a:t>
+              <a:t>6/15/2021</a:t>
             </a:fld>
             <a:endParaRPr lang="en-US"/>
           </a:p>
@@ -3880,7 +3885,7 @@
           <a:p>
             <a:fld id="{7AA7C1B9-AFF9-4BAB-B6FE-E21DA7CB2908}" type="datetimeFigureOut">
               <a:rPr lang="en-US" smtClean="0"/>
-              <a:t>6/14/2021</a:t>
+              <a:t>6/15/2021</a:t>
             </a:fld>
             <a:endParaRPr lang="en-US"/>
           </a:p>
@@ -4060,7 +4065,7 @@
           <a:p>
             <a:fld id="{7AA7C1B9-AFF9-4BAB-B6FE-E21DA7CB2908}" type="datetimeFigureOut">
               <a:rPr lang="en-US" smtClean="0"/>
-              <a:t>6/14/2021</a:t>
+              <a:t>6/15/2021</a:t>
             </a:fld>
             <a:endParaRPr lang="en-US"/>
           </a:p>
@@ -4265,7 +4270,7 @@
           <a:p>
             <a:fld id="{7AA7C1B9-AFF9-4BAB-B6FE-E21DA7CB2908}" type="datetimeFigureOut">
               <a:rPr lang="en-US" smtClean="0"/>
-              <a:t>6/14/2021</a:t>
+              <a:t>6/15/2021</a:t>
             </a:fld>
             <a:endParaRPr lang="en-US"/>
           </a:p>
@@ -7934,7 +7939,7 @@
           <a:p>
             <a:fld id="{7AA7C1B9-AFF9-4BAB-B6FE-E21DA7CB2908}" type="datetimeFigureOut">
               <a:rPr lang="en-US" smtClean="0"/>
-              <a:t>6/14/2021</a:t>
+              <a:t>6/15/2021</a:t>
             </a:fld>
             <a:endParaRPr lang="en-US"/>
           </a:p>
@@ -8206,7 +8211,7 @@
           <a:p>
             <a:fld id="{7AA7C1B9-AFF9-4BAB-B6FE-E21DA7CB2908}" type="datetimeFigureOut">
               <a:rPr lang="en-US" smtClean="0"/>
-              <a:t>6/14/2021</a:t>
+              <a:t>6/15/2021</a:t>
             </a:fld>
             <a:endParaRPr lang="en-US"/>
           </a:p>
@@ -8609,7 +8614,7 @@
           <a:p>
             <a:fld id="{7AA7C1B9-AFF9-4BAB-B6FE-E21DA7CB2908}" type="datetimeFigureOut">
               <a:rPr lang="en-US" smtClean="0"/>
-              <a:t>6/14/2021</a:t>
+              <a:t>6/15/2021</a:t>
             </a:fld>
             <a:endParaRPr lang="en-US"/>
           </a:p>
@@ -8727,7 +8732,7 @@
           <a:p>
             <a:fld id="{7AA7C1B9-AFF9-4BAB-B6FE-E21DA7CB2908}" type="datetimeFigureOut">
               <a:rPr lang="en-US" smtClean="0"/>
-              <a:t>6/14/2021</a:t>
+              <a:t>6/15/2021</a:t>
             </a:fld>
             <a:endParaRPr lang="en-US"/>
           </a:p>
@@ -8822,7 +8827,7 @@
           <a:p>
             <a:fld id="{7AA7C1B9-AFF9-4BAB-B6FE-E21DA7CB2908}" type="datetimeFigureOut">
               <a:rPr lang="en-US" smtClean="0"/>
-              <a:t>6/14/2021</a:t>
+              <a:t>6/15/2021</a:t>
             </a:fld>
             <a:endParaRPr lang="en-US"/>
           </a:p>
@@ -9112,7 +9117,7 @@
           <a:p>
             <a:fld id="{7AA7C1B9-AFF9-4BAB-B6FE-E21DA7CB2908}" type="datetimeFigureOut">
               <a:rPr lang="en-US" smtClean="0"/>
-              <a:t>6/14/2021</a:t>
+              <a:t>6/15/2021</a:t>
             </a:fld>
             <a:endParaRPr lang="en-US"/>
           </a:p>
@@ -9392,7 +9397,7 @@
           <a:p>
             <a:fld id="{7AA7C1B9-AFF9-4BAB-B6FE-E21DA7CB2908}" type="datetimeFigureOut">
               <a:rPr lang="en-US" smtClean="0"/>
-              <a:t>6/14/2021</a:t>
+              <a:t>6/15/2021</a:t>
             </a:fld>
             <a:endParaRPr lang="en-US"/>
           </a:p>
@@ -9642,7 +9647,7 @@
           <a:p>
             <a:fld id="{7AA7C1B9-AFF9-4BAB-B6FE-E21DA7CB2908}" type="datetimeFigureOut">
               <a:rPr lang="en-US" smtClean="0"/>
-              <a:t>6/14/2021</a:t>
+              <a:t>6/15/2021</a:t>
             </a:fld>
             <a:endParaRPr lang="en-US"/>
           </a:p>
@@ -10311,9 +10316,16 @@
             <p:ph idx="1"/>
           </p:nvPr>
         </p:nvSpPr>
-        <p:spPr/>
+        <p:spPr>
+          <a:xfrm>
+            <a:off x="427229" y="3182620"/>
+            <a:ext cx="3547871" cy="2925572"/>
+          </a:xfrm>
+        </p:spPr>
         <p:txBody>
-          <a:bodyPr/>
+          <a:bodyPr>
+            <a:normAutofit/>
+          </a:bodyPr>
           <a:lstStyle/>
           <a:p>
             <a:pPr>
@@ -10322,9 +10334,257 @@
             </a:pPr>
             <a:r>
               <a:rPr lang="en-US" dirty="0"/>
-              <a:t>How the data was extracted; First we took the data from Netflix and Kaggle and retrieved them in a csv format.</a:t>
+              <a:t>We took the data from the existing Netflix template and located a compatible dataset from Kaggle that included the ratings of the shows</a:t>
             </a:r>
           </a:p>
+        </p:txBody>
+      </p:sp>
+      <p:sp>
+        <p:nvSpPr>
+          <p:cNvPr id="6" name="Content Placeholder 2">
+            <a:extLst>
+              <a:ext uri="{FF2B5EF4-FFF2-40B4-BE49-F238E27FC236}">
+                <a16:creationId xmlns:a16="http://schemas.microsoft.com/office/drawing/2014/main" id="{73B3033E-E876-46CE-939D-B9D6FEB4D1EA}"/>
+              </a:ext>
+            </a:extLst>
+          </p:cNvPr>
+          <p:cNvSpPr txBox="1">
+            <a:spLocks/>
+          </p:cNvSpPr>
+          <p:nvPr/>
+        </p:nvSpPr>
+        <p:spPr>
+          <a:xfrm>
+            <a:off x="4450840" y="3182620"/>
+            <a:ext cx="3187699" cy="2925572"/>
+          </a:xfrm>
+          <a:prstGeom prst="rect">
+            <a:avLst/>
+          </a:prstGeom>
+        </p:spPr>
+        <p:txBody>
+          <a:bodyPr vert="horz" lIns="45720" tIns="45720" rIns="45720" bIns="45720" rtlCol="0">
+            <a:normAutofit/>
+          </a:bodyPr>
+          <a:lstStyle>
+            <a:lvl1pPr marL="91440" indent="-91440" algn="l" defTabSz="914400" rtl="0" eaLnBrk="1" latinLnBrk="0" hangingPunct="1">
+              <a:lnSpc>
+                <a:spcPct val="90000"/>
+              </a:lnSpc>
+              <a:spcBef>
+                <a:spcPts val="1200"/>
+              </a:spcBef>
+              <a:spcAft>
+                <a:spcPts val="200"/>
+              </a:spcAft>
+              <a:buClr>
+                <a:schemeClr val="accent1"/>
+              </a:buClr>
+              <a:buSzPct val="100000"/>
+              <a:buFont typeface="Tw Cen MT" panose="020B0602020104020603" pitchFamily="34" charset="0"/>
+              <a:buChar char=" "/>
+              <a:defRPr sz="2200" kern="1200">
+                <a:solidFill>
+                  <a:schemeClr val="tx1"/>
+                </a:solidFill>
+                <a:latin typeface="+mn-lt"/>
+                <a:ea typeface="+mn-ea"/>
+                <a:cs typeface="+mn-cs"/>
+              </a:defRPr>
+            </a:lvl1pPr>
+            <a:lvl2pPr marL="265176" indent="-137160" algn="l" defTabSz="914400" rtl="0" eaLnBrk="1" latinLnBrk="0" hangingPunct="1">
+              <a:lnSpc>
+                <a:spcPct val="90000"/>
+              </a:lnSpc>
+              <a:spcBef>
+                <a:spcPts val="200"/>
+              </a:spcBef>
+              <a:spcAft>
+                <a:spcPts val="400"/>
+              </a:spcAft>
+              <a:buClr>
+                <a:schemeClr val="accent1"/>
+              </a:buClr>
+              <a:buFont typeface="Wingdings 3" pitchFamily="18" charset="2"/>
+              <a:buChar char=""/>
+              <a:defRPr sz="1800" kern="1200">
+                <a:solidFill>
+                  <a:schemeClr val="tx1"/>
+                </a:solidFill>
+                <a:latin typeface="+mn-lt"/>
+                <a:ea typeface="+mn-ea"/>
+                <a:cs typeface="+mn-cs"/>
+              </a:defRPr>
+            </a:lvl2pPr>
+            <a:lvl3pPr marL="448056" indent="-137160" algn="l" defTabSz="914400" rtl="0" eaLnBrk="1" latinLnBrk="0" hangingPunct="1">
+              <a:lnSpc>
+                <a:spcPct val="90000"/>
+              </a:lnSpc>
+              <a:spcBef>
+                <a:spcPts val="200"/>
+              </a:spcBef>
+              <a:spcAft>
+                <a:spcPts val="400"/>
+              </a:spcAft>
+              <a:buClr>
+                <a:schemeClr val="accent1"/>
+              </a:buClr>
+              <a:buFont typeface="Wingdings 3" pitchFamily="18" charset="2"/>
+              <a:buChar char=""/>
+              <a:defRPr sz="1400" kern="1200">
+                <a:solidFill>
+                  <a:schemeClr val="tx1"/>
+                </a:solidFill>
+                <a:latin typeface="+mn-lt"/>
+                <a:ea typeface="+mn-ea"/>
+                <a:cs typeface="+mn-cs"/>
+              </a:defRPr>
+            </a:lvl3pPr>
+            <a:lvl4pPr marL="594360" indent="-137160" algn="l" defTabSz="914400" rtl="0" eaLnBrk="1" latinLnBrk="0" hangingPunct="1">
+              <a:lnSpc>
+                <a:spcPct val="90000"/>
+              </a:lnSpc>
+              <a:spcBef>
+                <a:spcPts val="200"/>
+              </a:spcBef>
+              <a:spcAft>
+                <a:spcPts val="400"/>
+              </a:spcAft>
+              <a:buClr>
+                <a:schemeClr val="accent1"/>
+              </a:buClr>
+              <a:buFont typeface="Wingdings 3" pitchFamily="18" charset="2"/>
+              <a:buChar char=""/>
+              <a:defRPr sz="1400" kern="1200">
+                <a:solidFill>
+                  <a:schemeClr val="tx1"/>
+                </a:solidFill>
+                <a:latin typeface="+mn-lt"/>
+                <a:ea typeface="+mn-ea"/>
+                <a:cs typeface="+mn-cs"/>
+              </a:defRPr>
+            </a:lvl4pPr>
+            <a:lvl5pPr marL="777240" indent="-137160" algn="l" defTabSz="914400" rtl="0" eaLnBrk="1" latinLnBrk="0" hangingPunct="1">
+              <a:lnSpc>
+                <a:spcPct val="90000"/>
+              </a:lnSpc>
+              <a:spcBef>
+                <a:spcPts val="200"/>
+              </a:spcBef>
+              <a:spcAft>
+                <a:spcPts val="400"/>
+              </a:spcAft>
+              <a:buClr>
+                <a:schemeClr val="accent1"/>
+              </a:buClr>
+              <a:buFont typeface="Wingdings 3" pitchFamily="18" charset="2"/>
+              <a:buChar char=""/>
+              <a:defRPr sz="1400" kern="1200">
+                <a:solidFill>
+                  <a:schemeClr val="tx1"/>
+                </a:solidFill>
+                <a:latin typeface="+mn-lt"/>
+                <a:ea typeface="+mn-ea"/>
+                <a:cs typeface="+mn-cs"/>
+              </a:defRPr>
+            </a:lvl5pPr>
+            <a:lvl6pPr marL="914400" indent="-137160" algn="l" defTabSz="914400" rtl="0" eaLnBrk="1" latinLnBrk="0" hangingPunct="1">
+              <a:lnSpc>
+                <a:spcPct val="90000"/>
+              </a:lnSpc>
+              <a:spcBef>
+                <a:spcPts val="200"/>
+              </a:spcBef>
+              <a:spcAft>
+                <a:spcPts val="400"/>
+              </a:spcAft>
+              <a:buClr>
+                <a:schemeClr val="accent1"/>
+              </a:buClr>
+              <a:buFont typeface="Wingdings 3" pitchFamily="18" charset="2"/>
+              <a:buChar char=""/>
+              <a:defRPr sz="1400" kern="1200">
+                <a:solidFill>
+                  <a:schemeClr val="tx1"/>
+                </a:solidFill>
+                <a:latin typeface="+mn-lt"/>
+                <a:ea typeface="+mn-ea"/>
+                <a:cs typeface="+mn-cs"/>
+              </a:defRPr>
+            </a:lvl6pPr>
+            <a:lvl7pPr marL="1060704" indent="-137160" algn="l" defTabSz="914400" rtl="0" eaLnBrk="1" latinLnBrk="0" hangingPunct="1">
+              <a:lnSpc>
+                <a:spcPct val="90000"/>
+              </a:lnSpc>
+              <a:spcBef>
+                <a:spcPts val="200"/>
+              </a:spcBef>
+              <a:spcAft>
+                <a:spcPts val="400"/>
+              </a:spcAft>
+              <a:buClr>
+                <a:schemeClr val="accent1"/>
+              </a:buClr>
+              <a:buFont typeface="Wingdings 3" pitchFamily="18" charset="2"/>
+              <a:buChar char=""/>
+              <a:defRPr sz="1400" kern="1200">
+                <a:solidFill>
+                  <a:schemeClr val="tx1"/>
+                </a:solidFill>
+                <a:latin typeface="+mn-lt"/>
+                <a:ea typeface="+mn-ea"/>
+                <a:cs typeface="+mn-cs"/>
+              </a:defRPr>
+            </a:lvl7pPr>
+            <a:lvl8pPr marL="1216152" indent="-137160" algn="l" defTabSz="914400" rtl="0" eaLnBrk="1" latinLnBrk="0" hangingPunct="1">
+              <a:lnSpc>
+                <a:spcPct val="90000"/>
+              </a:lnSpc>
+              <a:spcBef>
+                <a:spcPts val="200"/>
+              </a:spcBef>
+              <a:spcAft>
+                <a:spcPts val="400"/>
+              </a:spcAft>
+              <a:buClr>
+                <a:schemeClr val="accent1"/>
+              </a:buClr>
+              <a:buFont typeface="Wingdings 3" pitchFamily="18" charset="2"/>
+              <a:buChar char=""/>
+              <a:defRPr sz="1400" kern="1200">
+                <a:solidFill>
+                  <a:schemeClr val="tx1"/>
+                </a:solidFill>
+                <a:latin typeface="+mn-lt"/>
+                <a:ea typeface="+mn-ea"/>
+                <a:cs typeface="+mn-cs"/>
+              </a:defRPr>
+            </a:lvl8pPr>
+            <a:lvl9pPr marL="1362456" indent="-137160" algn="l" defTabSz="914400" rtl="0" eaLnBrk="1" latinLnBrk="0" hangingPunct="1">
+              <a:lnSpc>
+                <a:spcPct val="90000"/>
+              </a:lnSpc>
+              <a:spcBef>
+                <a:spcPts val="200"/>
+              </a:spcBef>
+              <a:spcAft>
+                <a:spcPts val="400"/>
+              </a:spcAft>
+              <a:buClr>
+                <a:schemeClr val="accent1"/>
+              </a:buClr>
+              <a:buFont typeface="Wingdings 3" pitchFamily="18" charset="2"/>
+              <a:buChar char=""/>
+              <a:defRPr sz="1400" kern="1200">
+                <a:solidFill>
+                  <a:schemeClr val="tx1"/>
+                </a:solidFill>
+                <a:latin typeface="+mn-lt"/>
+                <a:ea typeface="+mn-ea"/>
+                <a:cs typeface="+mn-cs"/>
+              </a:defRPr>
+            </a:lvl9pPr>
+          </a:lstStyle>
           <a:p>
             <a:pPr>
               <a:buFont typeface="Wingdings" panose="05000000000000000000" pitchFamily="2" charset="2"/>
@@ -10332,9 +10592,265 @@
             </a:pPr>
             <a:r>
               <a:rPr lang="en-US" dirty="0"/>
-              <a:t>How the data was transformed; The data was combined and then organized by their count and popularity.</a:t>
+              <a:t>Locating the shared column of ‘Title’ allowed an easy assimilation of the data to be joined through </a:t>
+            </a:r>
+            <a:r>
+              <a:rPr lang="en-US" dirty="0" err="1"/>
+              <a:t>pgAdmin</a:t>
+            </a:r>
+            <a:r>
+              <a:rPr lang="en-US" dirty="0"/>
+              <a:t> 4 using SQL.</a:t>
             </a:r>
           </a:p>
+        </p:txBody>
+      </p:sp>
+      <p:sp>
+        <p:nvSpPr>
+          <p:cNvPr id="7" name="Content Placeholder 2">
+            <a:extLst>
+              <a:ext uri="{FF2B5EF4-FFF2-40B4-BE49-F238E27FC236}">
+                <a16:creationId xmlns:a16="http://schemas.microsoft.com/office/drawing/2014/main" id="{2DF087FA-57D8-4BD7-877E-3D84593C5F0C}"/>
+              </a:ext>
+            </a:extLst>
+          </p:cNvPr>
+          <p:cNvSpPr txBox="1">
+            <a:spLocks/>
+          </p:cNvSpPr>
+          <p:nvPr/>
+        </p:nvSpPr>
+        <p:spPr>
+          <a:xfrm>
+            <a:off x="8318499" y="3182620"/>
+            <a:ext cx="3446271" cy="2925572"/>
+          </a:xfrm>
+          <a:prstGeom prst="rect">
+            <a:avLst/>
+          </a:prstGeom>
+        </p:spPr>
+        <p:txBody>
+          <a:bodyPr vert="horz" lIns="45720" tIns="45720" rIns="45720" bIns="45720" rtlCol="0">
+            <a:normAutofit/>
+          </a:bodyPr>
+          <a:lstStyle>
+            <a:lvl1pPr marL="91440" indent="-91440" algn="l" defTabSz="914400" rtl="0" eaLnBrk="1" latinLnBrk="0" hangingPunct="1">
+              <a:lnSpc>
+                <a:spcPct val="90000"/>
+              </a:lnSpc>
+              <a:spcBef>
+                <a:spcPts val="1200"/>
+              </a:spcBef>
+              <a:spcAft>
+                <a:spcPts val="200"/>
+              </a:spcAft>
+              <a:buClr>
+                <a:schemeClr val="accent1"/>
+              </a:buClr>
+              <a:buSzPct val="100000"/>
+              <a:buFont typeface="Tw Cen MT" panose="020B0602020104020603" pitchFamily="34" charset="0"/>
+              <a:buChar char=" "/>
+              <a:defRPr sz="2200" kern="1200">
+                <a:solidFill>
+                  <a:schemeClr val="tx1"/>
+                </a:solidFill>
+                <a:latin typeface="+mn-lt"/>
+                <a:ea typeface="+mn-ea"/>
+                <a:cs typeface="+mn-cs"/>
+              </a:defRPr>
+            </a:lvl1pPr>
+            <a:lvl2pPr marL="265176" indent="-137160" algn="l" defTabSz="914400" rtl="0" eaLnBrk="1" latinLnBrk="0" hangingPunct="1">
+              <a:lnSpc>
+                <a:spcPct val="90000"/>
+              </a:lnSpc>
+              <a:spcBef>
+                <a:spcPts val="200"/>
+              </a:spcBef>
+              <a:spcAft>
+                <a:spcPts val="400"/>
+              </a:spcAft>
+              <a:buClr>
+                <a:schemeClr val="accent1"/>
+              </a:buClr>
+              <a:buFont typeface="Wingdings 3" pitchFamily="18" charset="2"/>
+              <a:buChar char=""/>
+              <a:defRPr sz="1800" kern="1200">
+                <a:solidFill>
+                  <a:schemeClr val="tx1"/>
+                </a:solidFill>
+                <a:latin typeface="+mn-lt"/>
+                <a:ea typeface="+mn-ea"/>
+                <a:cs typeface="+mn-cs"/>
+              </a:defRPr>
+            </a:lvl2pPr>
+            <a:lvl3pPr marL="448056" indent="-137160" algn="l" defTabSz="914400" rtl="0" eaLnBrk="1" latinLnBrk="0" hangingPunct="1">
+              <a:lnSpc>
+                <a:spcPct val="90000"/>
+              </a:lnSpc>
+              <a:spcBef>
+                <a:spcPts val="200"/>
+              </a:spcBef>
+              <a:spcAft>
+                <a:spcPts val="400"/>
+              </a:spcAft>
+              <a:buClr>
+                <a:schemeClr val="accent1"/>
+              </a:buClr>
+              <a:buFont typeface="Wingdings 3" pitchFamily="18" charset="2"/>
+              <a:buChar char=""/>
+              <a:defRPr sz="1400" kern="1200">
+                <a:solidFill>
+                  <a:schemeClr val="tx1"/>
+                </a:solidFill>
+                <a:latin typeface="+mn-lt"/>
+                <a:ea typeface="+mn-ea"/>
+                <a:cs typeface="+mn-cs"/>
+              </a:defRPr>
+            </a:lvl3pPr>
+            <a:lvl4pPr marL="594360" indent="-137160" algn="l" defTabSz="914400" rtl="0" eaLnBrk="1" latinLnBrk="0" hangingPunct="1">
+              <a:lnSpc>
+                <a:spcPct val="90000"/>
+              </a:lnSpc>
+              <a:spcBef>
+                <a:spcPts val="200"/>
+              </a:spcBef>
+              <a:spcAft>
+                <a:spcPts val="400"/>
+              </a:spcAft>
+              <a:buClr>
+                <a:schemeClr val="accent1"/>
+              </a:buClr>
+              <a:buFont typeface="Wingdings 3" pitchFamily="18" charset="2"/>
+              <a:buChar char=""/>
+              <a:defRPr sz="1400" kern="1200">
+                <a:solidFill>
+                  <a:schemeClr val="tx1"/>
+                </a:solidFill>
+                <a:latin typeface="+mn-lt"/>
+                <a:ea typeface="+mn-ea"/>
+                <a:cs typeface="+mn-cs"/>
+              </a:defRPr>
+            </a:lvl4pPr>
+            <a:lvl5pPr marL="777240" indent="-137160" algn="l" defTabSz="914400" rtl="0" eaLnBrk="1" latinLnBrk="0" hangingPunct="1">
+              <a:lnSpc>
+                <a:spcPct val="90000"/>
+              </a:lnSpc>
+              <a:spcBef>
+                <a:spcPts val="200"/>
+              </a:spcBef>
+              <a:spcAft>
+                <a:spcPts val="400"/>
+              </a:spcAft>
+              <a:buClr>
+                <a:schemeClr val="accent1"/>
+              </a:buClr>
+              <a:buFont typeface="Wingdings 3" pitchFamily="18" charset="2"/>
+              <a:buChar char=""/>
+              <a:defRPr sz="1400" kern="1200">
+                <a:solidFill>
+                  <a:schemeClr val="tx1"/>
+                </a:solidFill>
+                <a:latin typeface="+mn-lt"/>
+                <a:ea typeface="+mn-ea"/>
+                <a:cs typeface="+mn-cs"/>
+              </a:defRPr>
+            </a:lvl5pPr>
+            <a:lvl6pPr marL="914400" indent="-137160" algn="l" defTabSz="914400" rtl="0" eaLnBrk="1" latinLnBrk="0" hangingPunct="1">
+              <a:lnSpc>
+                <a:spcPct val="90000"/>
+              </a:lnSpc>
+              <a:spcBef>
+                <a:spcPts val="200"/>
+              </a:spcBef>
+              <a:spcAft>
+                <a:spcPts val="400"/>
+              </a:spcAft>
+              <a:buClr>
+                <a:schemeClr val="accent1"/>
+              </a:buClr>
+              <a:buFont typeface="Wingdings 3" pitchFamily="18" charset="2"/>
+              <a:buChar char=""/>
+              <a:defRPr sz="1400" kern="1200">
+                <a:solidFill>
+                  <a:schemeClr val="tx1"/>
+                </a:solidFill>
+                <a:latin typeface="+mn-lt"/>
+                <a:ea typeface="+mn-ea"/>
+                <a:cs typeface="+mn-cs"/>
+              </a:defRPr>
+            </a:lvl6pPr>
+            <a:lvl7pPr marL="1060704" indent="-137160" algn="l" defTabSz="914400" rtl="0" eaLnBrk="1" latinLnBrk="0" hangingPunct="1">
+              <a:lnSpc>
+                <a:spcPct val="90000"/>
+              </a:lnSpc>
+              <a:spcBef>
+                <a:spcPts val="200"/>
+              </a:spcBef>
+              <a:spcAft>
+                <a:spcPts val="400"/>
+              </a:spcAft>
+              <a:buClr>
+                <a:schemeClr val="accent1"/>
+              </a:buClr>
+              <a:buFont typeface="Wingdings 3" pitchFamily="18" charset="2"/>
+              <a:buChar char=""/>
+              <a:defRPr sz="1400" kern="1200">
+                <a:solidFill>
+                  <a:schemeClr val="tx1"/>
+                </a:solidFill>
+                <a:latin typeface="+mn-lt"/>
+                <a:ea typeface="+mn-ea"/>
+                <a:cs typeface="+mn-cs"/>
+              </a:defRPr>
+            </a:lvl7pPr>
+            <a:lvl8pPr marL="1216152" indent="-137160" algn="l" defTabSz="914400" rtl="0" eaLnBrk="1" latinLnBrk="0" hangingPunct="1">
+              <a:lnSpc>
+                <a:spcPct val="90000"/>
+              </a:lnSpc>
+              <a:spcBef>
+                <a:spcPts val="200"/>
+              </a:spcBef>
+              <a:spcAft>
+                <a:spcPts val="400"/>
+              </a:spcAft>
+              <a:buClr>
+                <a:schemeClr val="accent1"/>
+              </a:buClr>
+              <a:buFont typeface="Wingdings 3" pitchFamily="18" charset="2"/>
+              <a:buChar char=""/>
+              <a:defRPr sz="1400" kern="1200">
+                <a:solidFill>
+                  <a:schemeClr val="tx1"/>
+                </a:solidFill>
+                <a:latin typeface="+mn-lt"/>
+                <a:ea typeface="+mn-ea"/>
+                <a:cs typeface="+mn-cs"/>
+              </a:defRPr>
+            </a:lvl8pPr>
+            <a:lvl9pPr marL="1362456" indent="-137160" algn="l" defTabSz="914400" rtl="0" eaLnBrk="1" latinLnBrk="0" hangingPunct="1">
+              <a:lnSpc>
+                <a:spcPct val="90000"/>
+              </a:lnSpc>
+              <a:spcBef>
+                <a:spcPts val="200"/>
+              </a:spcBef>
+              <a:spcAft>
+                <a:spcPts val="400"/>
+              </a:spcAft>
+              <a:buClr>
+                <a:schemeClr val="accent1"/>
+              </a:buClr>
+              <a:buFont typeface="Wingdings 3" pitchFamily="18" charset="2"/>
+              <a:buChar char=""/>
+              <a:defRPr sz="1400" kern="1200">
+                <a:solidFill>
+                  <a:schemeClr val="tx1"/>
+                </a:solidFill>
+                <a:latin typeface="+mn-lt"/>
+                <a:ea typeface="+mn-ea"/>
+                <a:cs typeface="+mn-cs"/>
+              </a:defRPr>
+            </a:lvl9pPr>
+          </a:lstStyle>
           <a:p>
             <a:pPr>
               <a:buFont typeface="Wingdings" panose="05000000000000000000" pitchFamily="2" charset="2"/>
@@ -10342,7 +10858,783 @@
             </a:pPr>
             <a:r>
               <a:rPr lang="en-US" dirty="0"/>
-              <a:t>How the new data was loaded; The new data was then loaded into graph form, by pie and bar charts.</a:t>
+              <a:t>Loaded the combined table into a Pandas data frame in order to further organize the data and </a:t>
+            </a:r>
+            <a:r>
+              <a:rPr lang="en-US"/>
+              <a:t>create visualizations.</a:t>
+            </a:r>
+            <a:endParaRPr lang="en-US" dirty="0"/>
+          </a:p>
+        </p:txBody>
+      </p:sp>
+      <p:sp>
+        <p:nvSpPr>
+          <p:cNvPr id="8" name="Content Placeholder 2">
+            <a:extLst>
+              <a:ext uri="{FF2B5EF4-FFF2-40B4-BE49-F238E27FC236}">
+                <a16:creationId xmlns:a16="http://schemas.microsoft.com/office/drawing/2014/main" id="{43848F01-A035-44A2-9C90-277105729146}"/>
+              </a:ext>
+            </a:extLst>
+          </p:cNvPr>
+          <p:cNvSpPr txBox="1">
+            <a:spLocks/>
+          </p:cNvSpPr>
+          <p:nvPr/>
+        </p:nvSpPr>
+        <p:spPr>
+          <a:xfrm>
+            <a:off x="501143" y="2196592"/>
+            <a:ext cx="2354072" cy="874268"/>
+          </a:xfrm>
+          <a:prstGeom prst="rect">
+            <a:avLst/>
+          </a:prstGeom>
+        </p:spPr>
+        <p:txBody>
+          <a:bodyPr vert="horz" lIns="45720" tIns="45720" rIns="45720" bIns="45720" rtlCol="0">
+            <a:normAutofit/>
+          </a:bodyPr>
+          <a:lstStyle>
+            <a:lvl1pPr marL="91440" indent="-91440" algn="l" defTabSz="914400" rtl="0" eaLnBrk="1" latinLnBrk="0" hangingPunct="1">
+              <a:lnSpc>
+                <a:spcPct val="90000"/>
+              </a:lnSpc>
+              <a:spcBef>
+                <a:spcPts val="1200"/>
+              </a:spcBef>
+              <a:spcAft>
+                <a:spcPts val="200"/>
+              </a:spcAft>
+              <a:buClr>
+                <a:schemeClr val="accent1"/>
+              </a:buClr>
+              <a:buSzPct val="100000"/>
+              <a:buFont typeface="Tw Cen MT" panose="020B0602020104020603" pitchFamily="34" charset="0"/>
+              <a:buChar char=" "/>
+              <a:defRPr sz="2200" kern="1200">
+                <a:solidFill>
+                  <a:schemeClr val="tx1"/>
+                </a:solidFill>
+                <a:latin typeface="+mn-lt"/>
+                <a:ea typeface="+mn-ea"/>
+                <a:cs typeface="+mn-cs"/>
+              </a:defRPr>
+            </a:lvl1pPr>
+            <a:lvl2pPr marL="265176" indent="-137160" algn="l" defTabSz="914400" rtl="0" eaLnBrk="1" latinLnBrk="0" hangingPunct="1">
+              <a:lnSpc>
+                <a:spcPct val="90000"/>
+              </a:lnSpc>
+              <a:spcBef>
+                <a:spcPts val="200"/>
+              </a:spcBef>
+              <a:spcAft>
+                <a:spcPts val="400"/>
+              </a:spcAft>
+              <a:buClr>
+                <a:schemeClr val="accent1"/>
+              </a:buClr>
+              <a:buFont typeface="Wingdings 3" pitchFamily="18" charset="2"/>
+              <a:buChar char=""/>
+              <a:defRPr sz="1800" kern="1200">
+                <a:solidFill>
+                  <a:schemeClr val="tx1"/>
+                </a:solidFill>
+                <a:latin typeface="+mn-lt"/>
+                <a:ea typeface="+mn-ea"/>
+                <a:cs typeface="+mn-cs"/>
+              </a:defRPr>
+            </a:lvl2pPr>
+            <a:lvl3pPr marL="448056" indent="-137160" algn="l" defTabSz="914400" rtl="0" eaLnBrk="1" latinLnBrk="0" hangingPunct="1">
+              <a:lnSpc>
+                <a:spcPct val="90000"/>
+              </a:lnSpc>
+              <a:spcBef>
+                <a:spcPts val="200"/>
+              </a:spcBef>
+              <a:spcAft>
+                <a:spcPts val="400"/>
+              </a:spcAft>
+              <a:buClr>
+                <a:schemeClr val="accent1"/>
+              </a:buClr>
+              <a:buFont typeface="Wingdings 3" pitchFamily="18" charset="2"/>
+              <a:buChar char=""/>
+              <a:defRPr sz="1400" kern="1200">
+                <a:solidFill>
+                  <a:schemeClr val="tx1"/>
+                </a:solidFill>
+                <a:latin typeface="+mn-lt"/>
+                <a:ea typeface="+mn-ea"/>
+                <a:cs typeface="+mn-cs"/>
+              </a:defRPr>
+            </a:lvl3pPr>
+            <a:lvl4pPr marL="594360" indent="-137160" algn="l" defTabSz="914400" rtl="0" eaLnBrk="1" latinLnBrk="0" hangingPunct="1">
+              <a:lnSpc>
+                <a:spcPct val="90000"/>
+              </a:lnSpc>
+              <a:spcBef>
+                <a:spcPts val="200"/>
+              </a:spcBef>
+              <a:spcAft>
+                <a:spcPts val="400"/>
+              </a:spcAft>
+              <a:buClr>
+                <a:schemeClr val="accent1"/>
+              </a:buClr>
+              <a:buFont typeface="Wingdings 3" pitchFamily="18" charset="2"/>
+              <a:buChar char=""/>
+              <a:defRPr sz="1400" kern="1200">
+                <a:solidFill>
+                  <a:schemeClr val="tx1"/>
+                </a:solidFill>
+                <a:latin typeface="+mn-lt"/>
+                <a:ea typeface="+mn-ea"/>
+                <a:cs typeface="+mn-cs"/>
+              </a:defRPr>
+            </a:lvl4pPr>
+            <a:lvl5pPr marL="777240" indent="-137160" algn="l" defTabSz="914400" rtl="0" eaLnBrk="1" latinLnBrk="0" hangingPunct="1">
+              <a:lnSpc>
+                <a:spcPct val="90000"/>
+              </a:lnSpc>
+              <a:spcBef>
+                <a:spcPts val="200"/>
+              </a:spcBef>
+              <a:spcAft>
+                <a:spcPts val="400"/>
+              </a:spcAft>
+              <a:buClr>
+                <a:schemeClr val="accent1"/>
+              </a:buClr>
+              <a:buFont typeface="Wingdings 3" pitchFamily="18" charset="2"/>
+              <a:buChar char=""/>
+              <a:defRPr sz="1400" kern="1200">
+                <a:solidFill>
+                  <a:schemeClr val="tx1"/>
+                </a:solidFill>
+                <a:latin typeface="+mn-lt"/>
+                <a:ea typeface="+mn-ea"/>
+                <a:cs typeface="+mn-cs"/>
+              </a:defRPr>
+            </a:lvl5pPr>
+            <a:lvl6pPr marL="914400" indent="-137160" algn="l" defTabSz="914400" rtl="0" eaLnBrk="1" latinLnBrk="0" hangingPunct="1">
+              <a:lnSpc>
+                <a:spcPct val="90000"/>
+              </a:lnSpc>
+              <a:spcBef>
+                <a:spcPts val="200"/>
+              </a:spcBef>
+              <a:spcAft>
+                <a:spcPts val="400"/>
+              </a:spcAft>
+              <a:buClr>
+                <a:schemeClr val="accent1"/>
+              </a:buClr>
+              <a:buFont typeface="Wingdings 3" pitchFamily="18" charset="2"/>
+              <a:buChar char=""/>
+              <a:defRPr sz="1400" kern="1200">
+                <a:solidFill>
+                  <a:schemeClr val="tx1"/>
+                </a:solidFill>
+                <a:latin typeface="+mn-lt"/>
+                <a:ea typeface="+mn-ea"/>
+                <a:cs typeface="+mn-cs"/>
+              </a:defRPr>
+            </a:lvl6pPr>
+            <a:lvl7pPr marL="1060704" indent="-137160" algn="l" defTabSz="914400" rtl="0" eaLnBrk="1" latinLnBrk="0" hangingPunct="1">
+              <a:lnSpc>
+                <a:spcPct val="90000"/>
+              </a:lnSpc>
+              <a:spcBef>
+                <a:spcPts val="200"/>
+              </a:spcBef>
+              <a:spcAft>
+                <a:spcPts val="400"/>
+              </a:spcAft>
+              <a:buClr>
+                <a:schemeClr val="accent1"/>
+              </a:buClr>
+              <a:buFont typeface="Wingdings 3" pitchFamily="18" charset="2"/>
+              <a:buChar char=""/>
+              <a:defRPr sz="1400" kern="1200">
+                <a:solidFill>
+                  <a:schemeClr val="tx1"/>
+                </a:solidFill>
+                <a:latin typeface="+mn-lt"/>
+                <a:ea typeface="+mn-ea"/>
+                <a:cs typeface="+mn-cs"/>
+              </a:defRPr>
+            </a:lvl7pPr>
+            <a:lvl8pPr marL="1216152" indent="-137160" algn="l" defTabSz="914400" rtl="0" eaLnBrk="1" latinLnBrk="0" hangingPunct="1">
+              <a:lnSpc>
+                <a:spcPct val="90000"/>
+              </a:lnSpc>
+              <a:spcBef>
+                <a:spcPts val="200"/>
+              </a:spcBef>
+              <a:spcAft>
+                <a:spcPts val="400"/>
+              </a:spcAft>
+              <a:buClr>
+                <a:schemeClr val="accent1"/>
+              </a:buClr>
+              <a:buFont typeface="Wingdings 3" pitchFamily="18" charset="2"/>
+              <a:buChar char=""/>
+              <a:defRPr sz="1400" kern="1200">
+                <a:solidFill>
+                  <a:schemeClr val="tx1"/>
+                </a:solidFill>
+                <a:latin typeface="+mn-lt"/>
+                <a:ea typeface="+mn-ea"/>
+                <a:cs typeface="+mn-cs"/>
+              </a:defRPr>
+            </a:lvl8pPr>
+            <a:lvl9pPr marL="1362456" indent="-137160" algn="l" defTabSz="914400" rtl="0" eaLnBrk="1" latinLnBrk="0" hangingPunct="1">
+              <a:lnSpc>
+                <a:spcPct val="90000"/>
+              </a:lnSpc>
+              <a:spcBef>
+                <a:spcPts val="200"/>
+              </a:spcBef>
+              <a:spcAft>
+                <a:spcPts val="400"/>
+              </a:spcAft>
+              <a:buClr>
+                <a:schemeClr val="accent1"/>
+              </a:buClr>
+              <a:buFont typeface="Wingdings 3" pitchFamily="18" charset="2"/>
+              <a:buChar char=""/>
+              <a:defRPr sz="1400" kern="1200">
+                <a:solidFill>
+                  <a:schemeClr val="tx1"/>
+                </a:solidFill>
+                <a:latin typeface="+mn-lt"/>
+                <a:ea typeface="+mn-ea"/>
+                <a:cs typeface="+mn-cs"/>
+              </a:defRPr>
+            </a:lvl9pPr>
+          </a:lstStyle>
+          <a:p>
+            <a:pPr marL="0" indent="0">
+              <a:buNone/>
+            </a:pPr>
+            <a:r>
+              <a:rPr lang="en-US" sz="5400" dirty="0"/>
+              <a:t>Extract</a:t>
+            </a:r>
+          </a:p>
+        </p:txBody>
+      </p:sp>
+      <p:sp>
+        <p:nvSpPr>
+          <p:cNvPr id="9" name="Content Placeholder 2">
+            <a:extLst>
+              <a:ext uri="{FF2B5EF4-FFF2-40B4-BE49-F238E27FC236}">
+                <a16:creationId xmlns:a16="http://schemas.microsoft.com/office/drawing/2014/main" id="{E60EB19D-98E6-4959-B71C-331F912418FE}"/>
+              </a:ext>
+            </a:extLst>
+          </p:cNvPr>
+          <p:cNvSpPr txBox="1">
+            <a:spLocks/>
+          </p:cNvSpPr>
+          <p:nvPr/>
+        </p:nvSpPr>
+        <p:spPr>
+          <a:xfrm>
+            <a:off x="4516628" y="2198624"/>
+            <a:ext cx="3446271" cy="983996"/>
+          </a:xfrm>
+          <a:prstGeom prst="rect">
+            <a:avLst/>
+          </a:prstGeom>
+        </p:spPr>
+        <p:txBody>
+          <a:bodyPr vert="horz" lIns="45720" tIns="45720" rIns="45720" bIns="45720" rtlCol="0">
+            <a:normAutofit/>
+          </a:bodyPr>
+          <a:lstStyle>
+            <a:lvl1pPr marL="91440" indent="-91440" algn="l" defTabSz="914400" rtl="0" eaLnBrk="1" latinLnBrk="0" hangingPunct="1">
+              <a:lnSpc>
+                <a:spcPct val="90000"/>
+              </a:lnSpc>
+              <a:spcBef>
+                <a:spcPts val="1200"/>
+              </a:spcBef>
+              <a:spcAft>
+                <a:spcPts val="200"/>
+              </a:spcAft>
+              <a:buClr>
+                <a:schemeClr val="accent1"/>
+              </a:buClr>
+              <a:buSzPct val="100000"/>
+              <a:buFont typeface="Tw Cen MT" panose="020B0602020104020603" pitchFamily="34" charset="0"/>
+              <a:buChar char=" "/>
+              <a:defRPr sz="2200" kern="1200">
+                <a:solidFill>
+                  <a:schemeClr val="tx1"/>
+                </a:solidFill>
+                <a:latin typeface="+mn-lt"/>
+                <a:ea typeface="+mn-ea"/>
+                <a:cs typeface="+mn-cs"/>
+              </a:defRPr>
+            </a:lvl1pPr>
+            <a:lvl2pPr marL="265176" indent="-137160" algn="l" defTabSz="914400" rtl="0" eaLnBrk="1" latinLnBrk="0" hangingPunct="1">
+              <a:lnSpc>
+                <a:spcPct val="90000"/>
+              </a:lnSpc>
+              <a:spcBef>
+                <a:spcPts val="200"/>
+              </a:spcBef>
+              <a:spcAft>
+                <a:spcPts val="400"/>
+              </a:spcAft>
+              <a:buClr>
+                <a:schemeClr val="accent1"/>
+              </a:buClr>
+              <a:buFont typeface="Wingdings 3" pitchFamily="18" charset="2"/>
+              <a:buChar char=""/>
+              <a:defRPr sz="1800" kern="1200">
+                <a:solidFill>
+                  <a:schemeClr val="tx1"/>
+                </a:solidFill>
+                <a:latin typeface="+mn-lt"/>
+                <a:ea typeface="+mn-ea"/>
+                <a:cs typeface="+mn-cs"/>
+              </a:defRPr>
+            </a:lvl2pPr>
+            <a:lvl3pPr marL="448056" indent="-137160" algn="l" defTabSz="914400" rtl="0" eaLnBrk="1" latinLnBrk="0" hangingPunct="1">
+              <a:lnSpc>
+                <a:spcPct val="90000"/>
+              </a:lnSpc>
+              <a:spcBef>
+                <a:spcPts val="200"/>
+              </a:spcBef>
+              <a:spcAft>
+                <a:spcPts val="400"/>
+              </a:spcAft>
+              <a:buClr>
+                <a:schemeClr val="accent1"/>
+              </a:buClr>
+              <a:buFont typeface="Wingdings 3" pitchFamily="18" charset="2"/>
+              <a:buChar char=""/>
+              <a:defRPr sz="1400" kern="1200">
+                <a:solidFill>
+                  <a:schemeClr val="tx1"/>
+                </a:solidFill>
+                <a:latin typeface="+mn-lt"/>
+                <a:ea typeface="+mn-ea"/>
+                <a:cs typeface="+mn-cs"/>
+              </a:defRPr>
+            </a:lvl3pPr>
+            <a:lvl4pPr marL="594360" indent="-137160" algn="l" defTabSz="914400" rtl="0" eaLnBrk="1" latinLnBrk="0" hangingPunct="1">
+              <a:lnSpc>
+                <a:spcPct val="90000"/>
+              </a:lnSpc>
+              <a:spcBef>
+                <a:spcPts val="200"/>
+              </a:spcBef>
+              <a:spcAft>
+                <a:spcPts val="400"/>
+              </a:spcAft>
+              <a:buClr>
+                <a:schemeClr val="accent1"/>
+              </a:buClr>
+              <a:buFont typeface="Wingdings 3" pitchFamily="18" charset="2"/>
+              <a:buChar char=""/>
+              <a:defRPr sz="1400" kern="1200">
+                <a:solidFill>
+                  <a:schemeClr val="tx1"/>
+                </a:solidFill>
+                <a:latin typeface="+mn-lt"/>
+                <a:ea typeface="+mn-ea"/>
+                <a:cs typeface="+mn-cs"/>
+              </a:defRPr>
+            </a:lvl4pPr>
+            <a:lvl5pPr marL="777240" indent="-137160" algn="l" defTabSz="914400" rtl="0" eaLnBrk="1" latinLnBrk="0" hangingPunct="1">
+              <a:lnSpc>
+                <a:spcPct val="90000"/>
+              </a:lnSpc>
+              <a:spcBef>
+                <a:spcPts val="200"/>
+              </a:spcBef>
+              <a:spcAft>
+                <a:spcPts val="400"/>
+              </a:spcAft>
+              <a:buClr>
+                <a:schemeClr val="accent1"/>
+              </a:buClr>
+              <a:buFont typeface="Wingdings 3" pitchFamily="18" charset="2"/>
+              <a:buChar char=""/>
+              <a:defRPr sz="1400" kern="1200">
+                <a:solidFill>
+                  <a:schemeClr val="tx1"/>
+                </a:solidFill>
+                <a:latin typeface="+mn-lt"/>
+                <a:ea typeface="+mn-ea"/>
+                <a:cs typeface="+mn-cs"/>
+              </a:defRPr>
+            </a:lvl5pPr>
+            <a:lvl6pPr marL="914400" indent="-137160" algn="l" defTabSz="914400" rtl="0" eaLnBrk="1" latinLnBrk="0" hangingPunct="1">
+              <a:lnSpc>
+                <a:spcPct val="90000"/>
+              </a:lnSpc>
+              <a:spcBef>
+                <a:spcPts val="200"/>
+              </a:spcBef>
+              <a:spcAft>
+                <a:spcPts val="400"/>
+              </a:spcAft>
+              <a:buClr>
+                <a:schemeClr val="accent1"/>
+              </a:buClr>
+              <a:buFont typeface="Wingdings 3" pitchFamily="18" charset="2"/>
+              <a:buChar char=""/>
+              <a:defRPr sz="1400" kern="1200">
+                <a:solidFill>
+                  <a:schemeClr val="tx1"/>
+                </a:solidFill>
+                <a:latin typeface="+mn-lt"/>
+                <a:ea typeface="+mn-ea"/>
+                <a:cs typeface="+mn-cs"/>
+              </a:defRPr>
+            </a:lvl6pPr>
+            <a:lvl7pPr marL="1060704" indent="-137160" algn="l" defTabSz="914400" rtl="0" eaLnBrk="1" latinLnBrk="0" hangingPunct="1">
+              <a:lnSpc>
+                <a:spcPct val="90000"/>
+              </a:lnSpc>
+              <a:spcBef>
+                <a:spcPts val="200"/>
+              </a:spcBef>
+              <a:spcAft>
+                <a:spcPts val="400"/>
+              </a:spcAft>
+              <a:buClr>
+                <a:schemeClr val="accent1"/>
+              </a:buClr>
+              <a:buFont typeface="Wingdings 3" pitchFamily="18" charset="2"/>
+              <a:buChar char=""/>
+              <a:defRPr sz="1400" kern="1200">
+                <a:solidFill>
+                  <a:schemeClr val="tx1"/>
+                </a:solidFill>
+                <a:latin typeface="+mn-lt"/>
+                <a:ea typeface="+mn-ea"/>
+                <a:cs typeface="+mn-cs"/>
+              </a:defRPr>
+            </a:lvl7pPr>
+            <a:lvl8pPr marL="1216152" indent="-137160" algn="l" defTabSz="914400" rtl="0" eaLnBrk="1" latinLnBrk="0" hangingPunct="1">
+              <a:lnSpc>
+                <a:spcPct val="90000"/>
+              </a:lnSpc>
+              <a:spcBef>
+                <a:spcPts val="200"/>
+              </a:spcBef>
+              <a:spcAft>
+                <a:spcPts val="400"/>
+              </a:spcAft>
+              <a:buClr>
+                <a:schemeClr val="accent1"/>
+              </a:buClr>
+              <a:buFont typeface="Wingdings 3" pitchFamily="18" charset="2"/>
+              <a:buChar char=""/>
+              <a:defRPr sz="1400" kern="1200">
+                <a:solidFill>
+                  <a:schemeClr val="tx1"/>
+                </a:solidFill>
+                <a:latin typeface="+mn-lt"/>
+                <a:ea typeface="+mn-ea"/>
+                <a:cs typeface="+mn-cs"/>
+              </a:defRPr>
+            </a:lvl8pPr>
+            <a:lvl9pPr marL="1362456" indent="-137160" algn="l" defTabSz="914400" rtl="0" eaLnBrk="1" latinLnBrk="0" hangingPunct="1">
+              <a:lnSpc>
+                <a:spcPct val="90000"/>
+              </a:lnSpc>
+              <a:spcBef>
+                <a:spcPts val="200"/>
+              </a:spcBef>
+              <a:spcAft>
+                <a:spcPts val="400"/>
+              </a:spcAft>
+              <a:buClr>
+                <a:schemeClr val="accent1"/>
+              </a:buClr>
+              <a:buFont typeface="Wingdings 3" pitchFamily="18" charset="2"/>
+              <a:buChar char=""/>
+              <a:defRPr sz="1400" kern="1200">
+                <a:solidFill>
+                  <a:schemeClr val="tx1"/>
+                </a:solidFill>
+                <a:latin typeface="+mn-lt"/>
+                <a:ea typeface="+mn-ea"/>
+                <a:cs typeface="+mn-cs"/>
+              </a:defRPr>
+            </a:lvl9pPr>
+          </a:lstStyle>
+          <a:p>
+            <a:pPr marL="0" indent="0">
+              <a:buNone/>
+            </a:pPr>
+            <a:r>
+              <a:rPr lang="en-US" sz="5400" dirty="0"/>
+              <a:t>Transform</a:t>
+            </a:r>
+          </a:p>
+        </p:txBody>
+      </p:sp>
+      <p:sp>
+        <p:nvSpPr>
+          <p:cNvPr id="10" name="Content Placeholder 2">
+            <a:extLst>
+              <a:ext uri="{FF2B5EF4-FFF2-40B4-BE49-F238E27FC236}">
+                <a16:creationId xmlns:a16="http://schemas.microsoft.com/office/drawing/2014/main" id="{339E6016-9076-4464-8A84-DB2EE2218EBC}"/>
+              </a:ext>
+            </a:extLst>
+          </p:cNvPr>
+          <p:cNvSpPr txBox="1">
+            <a:spLocks/>
+          </p:cNvSpPr>
+          <p:nvPr/>
+        </p:nvSpPr>
+        <p:spPr>
+          <a:xfrm>
+            <a:off x="8495279" y="2200656"/>
+            <a:ext cx="3446271" cy="981964"/>
+          </a:xfrm>
+          <a:prstGeom prst="rect">
+            <a:avLst/>
+          </a:prstGeom>
+        </p:spPr>
+        <p:txBody>
+          <a:bodyPr vert="horz" lIns="45720" tIns="45720" rIns="45720" bIns="45720" rtlCol="0">
+            <a:normAutofit/>
+          </a:bodyPr>
+          <a:lstStyle>
+            <a:lvl1pPr marL="91440" indent="-91440" algn="l" defTabSz="914400" rtl="0" eaLnBrk="1" latinLnBrk="0" hangingPunct="1">
+              <a:lnSpc>
+                <a:spcPct val="90000"/>
+              </a:lnSpc>
+              <a:spcBef>
+                <a:spcPts val="1200"/>
+              </a:spcBef>
+              <a:spcAft>
+                <a:spcPts val="200"/>
+              </a:spcAft>
+              <a:buClr>
+                <a:schemeClr val="accent1"/>
+              </a:buClr>
+              <a:buSzPct val="100000"/>
+              <a:buFont typeface="Tw Cen MT" panose="020B0602020104020603" pitchFamily="34" charset="0"/>
+              <a:buChar char=" "/>
+              <a:defRPr sz="2200" kern="1200">
+                <a:solidFill>
+                  <a:schemeClr val="tx1"/>
+                </a:solidFill>
+                <a:latin typeface="+mn-lt"/>
+                <a:ea typeface="+mn-ea"/>
+                <a:cs typeface="+mn-cs"/>
+              </a:defRPr>
+            </a:lvl1pPr>
+            <a:lvl2pPr marL="265176" indent="-137160" algn="l" defTabSz="914400" rtl="0" eaLnBrk="1" latinLnBrk="0" hangingPunct="1">
+              <a:lnSpc>
+                <a:spcPct val="90000"/>
+              </a:lnSpc>
+              <a:spcBef>
+                <a:spcPts val="200"/>
+              </a:spcBef>
+              <a:spcAft>
+                <a:spcPts val="400"/>
+              </a:spcAft>
+              <a:buClr>
+                <a:schemeClr val="accent1"/>
+              </a:buClr>
+              <a:buFont typeface="Wingdings 3" pitchFamily="18" charset="2"/>
+              <a:buChar char=""/>
+              <a:defRPr sz="1800" kern="1200">
+                <a:solidFill>
+                  <a:schemeClr val="tx1"/>
+                </a:solidFill>
+                <a:latin typeface="+mn-lt"/>
+                <a:ea typeface="+mn-ea"/>
+                <a:cs typeface="+mn-cs"/>
+              </a:defRPr>
+            </a:lvl2pPr>
+            <a:lvl3pPr marL="448056" indent="-137160" algn="l" defTabSz="914400" rtl="0" eaLnBrk="1" latinLnBrk="0" hangingPunct="1">
+              <a:lnSpc>
+                <a:spcPct val="90000"/>
+              </a:lnSpc>
+              <a:spcBef>
+                <a:spcPts val="200"/>
+              </a:spcBef>
+              <a:spcAft>
+                <a:spcPts val="400"/>
+              </a:spcAft>
+              <a:buClr>
+                <a:schemeClr val="accent1"/>
+              </a:buClr>
+              <a:buFont typeface="Wingdings 3" pitchFamily="18" charset="2"/>
+              <a:buChar char=""/>
+              <a:defRPr sz="1400" kern="1200">
+                <a:solidFill>
+                  <a:schemeClr val="tx1"/>
+                </a:solidFill>
+                <a:latin typeface="+mn-lt"/>
+                <a:ea typeface="+mn-ea"/>
+                <a:cs typeface="+mn-cs"/>
+              </a:defRPr>
+            </a:lvl3pPr>
+            <a:lvl4pPr marL="594360" indent="-137160" algn="l" defTabSz="914400" rtl="0" eaLnBrk="1" latinLnBrk="0" hangingPunct="1">
+              <a:lnSpc>
+                <a:spcPct val="90000"/>
+              </a:lnSpc>
+              <a:spcBef>
+                <a:spcPts val="200"/>
+              </a:spcBef>
+              <a:spcAft>
+                <a:spcPts val="400"/>
+              </a:spcAft>
+              <a:buClr>
+                <a:schemeClr val="accent1"/>
+              </a:buClr>
+              <a:buFont typeface="Wingdings 3" pitchFamily="18" charset="2"/>
+              <a:buChar char=""/>
+              <a:defRPr sz="1400" kern="1200">
+                <a:solidFill>
+                  <a:schemeClr val="tx1"/>
+                </a:solidFill>
+                <a:latin typeface="+mn-lt"/>
+                <a:ea typeface="+mn-ea"/>
+                <a:cs typeface="+mn-cs"/>
+              </a:defRPr>
+            </a:lvl4pPr>
+            <a:lvl5pPr marL="777240" indent="-137160" algn="l" defTabSz="914400" rtl="0" eaLnBrk="1" latinLnBrk="0" hangingPunct="1">
+              <a:lnSpc>
+                <a:spcPct val="90000"/>
+              </a:lnSpc>
+              <a:spcBef>
+                <a:spcPts val="200"/>
+              </a:spcBef>
+              <a:spcAft>
+                <a:spcPts val="400"/>
+              </a:spcAft>
+              <a:buClr>
+                <a:schemeClr val="accent1"/>
+              </a:buClr>
+              <a:buFont typeface="Wingdings 3" pitchFamily="18" charset="2"/>
+              <a:buChar char=""/>
+              <a:defRPr sz="1400" kern="1200">
+                <a:solidFill>
+                  <a:schemeClr val="tx1"/>
+                </a:solidFill>
+                <a:latin typeface="+mn-lt"/>
+                <a:ea typeface="+mn-ea"/>
+                <a:cs typeface="+mn-cs"/>
+              </a:defRPr>
+            </a:lvl5pPr>
+            <a:lvl6pPr marL="914400" indent="-137160" algn="l" defTabSz="914400" rtl="0" eaLnBrk="1" latinLnBrk="0" hangingPunct="1">
+              <a:lnSpc>
+                <a:spcPct val="90000"/>
+              </a:lnSpc>
+              <a:spcBef>
+                <a:spcPts val="200"/>
+              </a:spcBef>
+              <a:spcAft>
+                <a:spcPts val="400"/>
+              </a:spcAft>
+              <a:buClr>
+                <a:schemeClr val="accent1"/>
+              </a:buClr>
+              <a:buFont typeface="Wingdings 3" pitchFamily="18" charset="2"/>
+              <a:buChar char=""/>
+              <a:defRPr sz="1400" kern="1200">
+                <a:solidFill>
+                  <a:schemeClr val="tx1"/>
+                </a:solidFill>
+                <a:latin typeface="+mn-lt"/>
+                <a:ea typeface="+mn-ea"/>
+                <a:cs typeface="+mn-cs"/>
+              </a:defRPr>
+            </a:lvl6pPr>
+            <a:lvl7pPr marL="1060704" indent="-137160" algn="l" defTabSz="914400" rtl="0" eaLnBrk="1" latinLnBrk="0" hangingPunct="1">
+              <a:lnSpc>
+                <a:spcPct val="90000"/>
+              </a:lnSpc>
+              <a:spcBef>
+                <a:spcPts val="200"/>
+              </a:spcBef>
+              <a:spcAft>
+                <a:spcPts val="400"/>
+              </a:spcAft>
+              <a:buClr>
+                <a:schemeClr val="accent1"/>
+              </a:buClr>
+              <a:buFont typeface="Wingdings 3" pitchFamily="18" charset="2"/>
+              <a:buChar char=""/>
+              <a:defRPr sz="1400" kern="1200">
+                <a:solidFill>
+                  <a:schemeClr val="tx1"/>
+                </a:solidFill>
+                <a:latin typeface="+mn-lt"/>
+                <a:ea typeface="+mn-ea"/>
+                <a:cs typeface="+mn-cs"/>
+              </a:defRPr>
+            </a:lvl7pPr>
+            <a:lvl8pPr marL="1216152" indent="-137160" algn="l" defTabSz="914400" rtl="0" eaLnBrk="1" latinLnBrk="0" hangingPunct="1">
+              <a:lnSpc>
+                <a:spcPct val="90000"/>
+              </a:lnSpc>
+              <a:spcBef>
+                <a:spcPts val="200"/>
+              </a:spcBef>
+              <a:spcAft>
+                <a:spcPts val="400"/>
+              </a:spcAft>
+              <a:buClr>
+                <a:schemeClr val="accent1"/>
+              </a:buClr>
+              <a:buFont typeface="Wingdings 3" pitchFamily="18" charset="2"/>
+              <a:buChar char=""/>
+              <a:defRPr sz="1400" kern="1200">
+                <a:solidFill>
+                  <a:schemeClr val="tx1"/>
+                </a:solidFill>
+                <a:latin typeface="+mn-lt"/>
+                <a:ea typeface="+mn-ea"/>
+                <a:cs typeface="+mn-cs"/>
+              </a:defRPr>
+            </a:lvl8pPr>
+            <a:lvl9pPr marL="1362456" indent="-137160" algn="l" defTabSz="914400" rtl="0" eaLnBrk="1" latinLnBrk="0" hangingPunct="1">
+              <a:lnSpc>
+                <a:spcPct val="90000"/>
+              </a:lnSpc>
+              <a:spcBef>
+                <a:spcPts val="200"/>
+              </a:spcBef>
+              <a:spcAft>
+                <a:spcPts val="400"/>
+              </a:spcAft>
+              <a:buClr>
+                <a:schemeClr val="accent1"/>
+              </a:buClr>
+              <a:buFont typeface="Wingdings 3" pitchFamily="18" charset="2"/>
+              <a:buChar char=""/>
+              <a:defRPr sz="1400" kern="1200">
+                <a:solidFill>
+                  <a:schemeClr val="tx1"/>
+                </a:solidFill>
+                <a:latin typeface="+mn-lt"/>
+                <a:ea typeface="+mn-ea"/>
+                <a:cs typeface="+mn-cs"/>
+              </a:defRPr>
+            </a:lvl9pPr>
+          </a:lstStyle>
+          <a:p>
+            <a:pPr marL="0" indent="0">
+              <a:buNone/>
+            </a:pPr>
+            <a:r>
+              <a:rPr lang="en-US" sz="5400" dirty="0"/>
+              <a:t>Load</a:t>
             </a:r>
           </a:p>
         </p:txBody>

--- a/netflixpresentation.pptx
+++ b/netflixpresentation.pptx
@@ -3680,7 +3680,7 @@
           <a:p>
             <a:fld id="{7AA7C1B9-AFF9-4BAB-B6FE-E21DA7CB2908}" type="datetimeFigureOut">
               <a:rPr lang="en-US" smtClean="0"/>
-              <a:t>6/15/2021</a:t>
+              <a:t>6/16/2021</a:t>
             </a:fld>
             <a:endParaRPr lang="en-US"/>
           </a:p>
@@ -3885,7 +3885,7 @@
           <a:p>
             <a:fld id="{7AA7C1B9-AFF9-4BAB-B6FE-E21DA7CB2908}" type="datetimeFigureOut">
               <a:rPr lang="en-US" smtClean="0"/>
-              <a:t>6/15/2021</a:t>
+              <a:t>6/16/2021</a:t>
             </a:fld>
             <a:endParaRPr lang="en-US"/>
           </a:p>
@@ -4065,7 +4065,7 @@
           <a:p>
             <a:fld id="{7AA7C1B9-AFF9-4BAB-B6FE-E21DA7CB2908}" type="datetimeFigureOut">
               <a:rPr lang="en-US" smtClean="0"/>
-              <a:t>6/15/2021</a:t>
+              <a:t>6/16/2021</a:t>
             </a:fld>
             <a:endParaRPr lang="en-US"/>
           </a:p>
@@ -4270,7 +4270,7 @@
           <a:p>
             <a:fld id="{7AA7C1B9-AFF9-4BAB-B6FE-E21DA7CB2908}" type="datetimeFigureOut">
               <a:rPr lang="en-US" smtClean="0"/>
-              <a:t>6/15/2021</a:t>
+              <a:t>6/16/2021</a:t>
             </a:fld>
             <a:endParaRPr lang="en-US"/>
           </a:p>
@@ -7939,7 +7939,7 @@
           <a:p>
             <a:fld id="{7AA7C1B9-AFF9-4BAB-B6FE-E21DA7CB2908}" type="datetimeFigureOut">
               <a:rPr lang="en-US" smtClean="0"/>
-              <a:t>6/15/2021</a:t>
+              <a:t>6/16/2021</a:t>
             </a:fld>
             <a:endParaRPr lang="en-US"/>
           </a:p>
@@ -8211,7 +8211,7 @@
           <a:p>
             <a:fld id="{7AA7C1B9-AFF9-4BAB-B6FE-E21DA7CB2908}" type="datetimeFigureOut">
               <a:rPr lang="en-US" smtClean="0"/>
-              <a:t>6/15/2021</a:t>
+              <a:t>6/16/2021</a:t>
             </a:fld>
             <a:endParaRPr lang="en-US"/>
           </a:p>
@@ -8614,7 +8614,7 @@
           <a:p>
             <a:fld id="{7AA7C1B9-AFF9-4BAB-B6FE-E21DA7CB2908}" type="datetimeFigureOut">
               <a:rPr lang="en-US" smtClean="0"/>
-              <a:t>6/15/2021</a:t>
+              <a:t>6/16/2021</a:t>
             </a:fld>
             <a:endParaRPr lang="en-US"/>
           </a:p>
@@ -8732,7 +8732,7 @@
           <a:p>
             <a:fld id="{7AA7C1B9-AFF9-4BAB-B6FE-E21DA7CB2908}" type="datetimeFigureOut">
               <a:rPr lang="en-US" smtClean="0"/>
-              <a:t>6/15/2021</a:t>
+              <a:t>6/16/2021</a:t>
             </a:fld>
             <a:endParaRPr lang="en-US"/>
           </a:p>
@@ -8827,7 +8827,7 @@
           <a:p>
             <a:fld id="{7AA7C1B9-AFF9-4BAB-B6FE-E21DA7CB2908}" type="datetimeFigureOut">
               <a:rPr lang="en-US" smtClean="0"/>
-              <a:t>6/15/2021</a:t>
+              <a:t>6/16/2021</a:t>
             </a:fld>
             <a:endParaRPr lang="en-US"/>
           </a:p>
@@ -9117,7 +9117,7 @@
           <a:p>
             <a:fld id="{7AA7C1B9-AFF9-4BAB-B6FE-E21DA7CB2908}" type="datetimeFigureOut">
               <a:rPr lang="en-US" smtClean="0"/>
-              <a:t>6/15/2021</a:t>
+              <a:t>6/16/2021</a:t>
             </a:fld>
             <a:endParaRPr lang="en-US"/>
           </a:p>
@@ -9397,7 +9397,7 @@
           <a:p>
             <a:fld id="{7AA7C1B9-AFF9-4BAB-B6FE-E21DA7CB2908}" type="datetimeFigureOut">
               <a:rPr lang="en-US" smtClean="0"/>
-              <a:t>6/15/2021</a:t>
+              <a:t>6/16/2021</a:t>
             </a:fld>
             <a:endParaRPr lang="en-US"/>
           </a:p>
@@ -9647,7 +9647,7 @@
           <a:p>
             <a:fld id="{7AA7C1B9-AFF9-4BAB-B6FE-E21DA7CB2908}" type="datetimeFigureOut">
               <a:rPr lang="en-US" smtClean="0"/>
-              <a:t>6/15/2021</a:t>
+              <a:t>6/16/2021</a:t>
             </a:fld>
             <a:endParaRPr lang="en-US"/>
           </a:p>
@@ -12345,8 +12345,13 @@
           <a:p>
             <a:r>
               <a:rPr lang="en-US" dirty="0"/>
-              <a:t>It shows many shows on Netflix are Crime shows, but the most popular shows is classic TV. Perhaps more and more classic shows would be added later in the future as people miss older shows.</a:t>
+              <a:t>It shows many shows on Netflix are Crime shows and is amongst the most popular. Perhaps it may be easy for audiences to understand what is going on and the </a:t>
             </a:r>
+            <a:r>
+              <a:rPr lang="en-US"/>
+              <a:t>suspense it may hold.</a:t>
+            </a:r>
+            <a:endParaRPr lang="en-US" dirty="0"/>
           </a:p>
         </p:txBody>
       </p:sp>
